--- a/資料類/ポートフォリオ卒業制作.pptx
+++ b/資料類/ポートフォリオ卒業制作.pptx
@@ -256,7 +256,7 @@
           <a:p>
             <a:fld id="{FEE965CE-DD04-401D-AB61-523C7ABF622F}" type="datetimeFigureOut">
               <a:rPr kumimoji="1" lang="ja-JP" altLang="en-US" smtClean="0"/>
-              <a:t>2020/1/29</a:t>
+              <a:t>2020/1/30</a:t>
             </a:fld>
             <a:endParaRPr kumimoji="1" lang="ja-JP" altLang="en-US"/>
           </a:p>
@@ -458,7 +458,7 @@
           <a:p>
             <a:fld id="{FEE965CE-DD04-401D-AB61-523C7ABF622F}" type="datetimeFigureOut">
               <a:rPr kumimoji="1" lang="ja-JP" altLang="en-US" smtClean="0"/>
-              <a:t>2020/1/29</a:t>
+              <a:t>2020/1/30</a:t>
             </a:fld>
             <a:endParaRPr kumimoji="1" lang="ja-JP" altLang="en-US"/>
           </a:p>
@@ -670,7 +670,7 @@
           <a:p>
             <a:fld id="{FEE965CE-DD04-401D-AB61-523C7ABF622F}" type="datetimeFigureOut">
               <a:rPr kumimoji="1" lang="ja-JP" altLang="en-US" smtClean="0"/>
-              <a:t>2020/1/29</a:t>
+              <a:t>2020/1/30</a:t>
             </a:fld>
             <a:endParaRPr kumimoji="1" lang="ja-JP" altLang="en-US"/>
           </a:p>
@@ -872,7 +872,7 @@
           <a:p>
             <a:fld id="{FEE965CE-DD04-401D-AB61-523C7ABF622F}" type="datetimeFigureOut">
               <a:rPr kumimoji="1" lang="ja-JP" altLang="en-US" smtClean="0"/>
-              <a:t>2020/1/29</a:t>
+              <a:t>2020/1/30</a:t>
             </a:fld>
             <a:endParaRPr kumimoji="1" lang="ja-JP" altLang="en-US"/>
           </a:p>
@@ -1116,7 +1116,7 @@
           <a:p>
             <a:fld id="{FEE965CE-DD04-401D-AB61-523C7ABF622F}" type="datetimeFigureOut">
               <a:rPr kumimoji="1" lang="ja-JP" altLang="en-US" smtClean="0"/>
-              <a:t>2020/1/29</a:t>
+              <a:t>2020/1/30</a:t>
             </a:fld>
             <a:endParaRPr kumimoji="1" lang="ja-JP" altLang="en-US"/>
           </a:p>
@@ -1412,7 +1412,7 @@
           <a:p>
             <a:fld id="{FEE965CE-DD04-401D-AB61-523C7ABF622F}" type="datetimeFigureOut">
               <a:rPr kumimoji="1" lang="ja-JP" altLang="en-US" smtClean="0"/>
-              <a:t>2020/1/29</a:t>
+              <a:t>2020/1/30</a:t>
             </a:fld>
             <a:endParaRPr kumimoji="1" lang="ja-JP" altLang="en-US"/>
           </a:p>
@@ -1843,7 +1843,7 @@
           <a:p>
             <a:fld id="{FEE965CE-DD04-401D-AB61-523C7ABF622F}" type="datetimeFigureOut">
               <a:rPr kumimoji="1" lang="ja-JP" altLang="en-US" smtClean="0"/>
-              <a:t>2020/1/29</a:t>
+              <a:t>2020/1/30</a:t>
             </a:fld>
             <a:endParaRPr kumimoji="1" lang="ja-JP" altLang="en-US"/>
           </a:p>
@@ -1961,7 +1961,7 @@
           <a:p>
             <a:fld id="{FEE965CE-DD04-401D-AB61-523C7ABF622F}" type="datetimeFigureOut">
               <a:rPr kumimoji="1" lang="ja-JP" altLang="en-US" smtClean="0"/>
-              <a:t>2020/1/29</a:t>
+              <a:t>2020/1/30</a:t>
             </a:fld>
             <a:endParaRPr kumimoji="1" lang="ja-JP" altLang="en-US"/>
           </a:p>
@@ -2056,7 +2056,7 @@
           <a:p>
             <a:fld id="{FEE965CE-DD04-401D-AB61-523C7ABF622F}" type="datetimeFigureOut">
               <a:rPr kumimoji="1" lang="ja-JP" altLang="en-US" smtClean="0"/>
-              <a:t>2020/1/29</a:t>
+              <a:t>2020/1/30</a:t>
             </a:fld>
             <a:endParaRPr kumimoji="1" lang="ja-JP" altLang="en-US"/>
           </a:p>
@@ -2365,7 +2365,7 @@
           <a:p>
             <a:fld id="{FEE965CE-DD04-401D-AB61-523C7ABF622F}" type="datetimeFigureOut">
               <a:rPr kumimoji="1" lang="ja-JP" altLang="en-US" smtClean="0"/>
-              <a:t>2020/1/29</a:t>
+              <a:t>2020/1/30</a:t>
             </a:fld>
             <a:endParaRPr kumimoji="1" lang="ja-JP" altLang="en-US"/>
           </a:p>
@@ -2622,7 +2622,7 @@
           <a:p>
             <a:fld id="{FEE965CE-DD04-401D-AB61-523C7ABF622F}" type="datetimeFigureOut">
               <a:rPr kumimoji="1" lang="ja-JP" altLang="en-US" smtClean="0"/>
-              <a:t>2020/1/29</a:t>
+              <a:t>2020/1/30</a:t>
             </a:fld>
             <a:endParaRPr kumimoji="1" lang="ja-JP" altLang="en-US"/>
           </a:p>
@@ -2867,7 +2867,7 @@
           <a:p>
             <a:fld id="{FEE965CE-DD04-401D-AB61-523C7ABF622F}" type="datetimeFigureOut">
               <a:rPr kumimoji="1" lang="ja-JP" altLang="en-US" smtClean="0"/>
-              <a:t>2020/1/29</a:t>
+              <a:t>2020/1/30</a:t>
             </a:fld>
             <a:endParaRPr kumimoji="1" lang="ja-JP" altLang="en-US"/>
           </a:p>
@@ -4396,15 +4396,7 @@
           <a:p>
             <a:r>
               <a:rPr lang="ja-JP" altLang="en-US" sz="1900" b="1" dirty="0" smtClean="0"/>
-              <a:t>調整めちゃくちゃ</a:t>
-            </a:r>
-            <a:r>
-              <a:rPr lang="ja-JP" altLang="en-US" sz="1900" b="1" dirty="0" smtClean="0"/>
-              <a:t>大変でした</a:t>
-            </a:r>
-            <a:r>
-              <a:rPr lang="ja-JP" altLang="en-US" sz="1900" b="1" dirty="0" smtClean="0"/>
-              <a:t>。</a:t>
+              <a:t>調整めちゃくちゃ大変でした。</a:t>
             </a:r>
             <a:endParaRPr lang="en-US" altLang="ja-JP" sz="1900" b="1" dirty="0" smtClean="0"/>
           </a:p>
@@ -4794,11 +4786,7 @@
             <a:pPr algn="ctr"/>
             <a:r>
               <a:rPr kumimoji="1" lang="ja-JP" altLang="en-US" dirty="0" smtClean="0"/>
-              <a:t>演出</a:t>
-            </a:r>
-            <a:r>
-              <a:rPr kumimoji="1" lang="ja-JP" altLang="en-US" dirty="0" smtClean="0"/>
-              <a:t>写真</a:t>
+              <a:t>演出写真</a:t>
             </a:r>
             <a:endParaRPr kumimoji="1" lang="ja-JP" altLang="en-US" dirty="0"/>
           </a:p>
@@ -5627,7 +5615,7 @@
           <a:lstStyle/>
           <a:p>
             <a:pPr algn="ctr"/>
-            <a:endParaRPr kumimoji="1" lang="ja-JP" altLang="en-US"/>
+            <a:endParaRPr kumimoji="1" lang="ja-JP" altLang="en-US" dirty="0"/>
           </a:p>
         </p:txBody>
       </p:sp>
@@ -5667,10 +5655,6 @@
           <a:lstStyle/>
           <a:p>
             <a:pPr algn="ctr"/>
-            <a:r>
-              <a:rPr kumimoji="1" lang="ja-JP" altLang="en-US" dirty="0" smtClean="0"/>
-              <a:t>感想</a:t>
-            </a:r>
             <a:endParaRPr kumimoji="1" lang="ja-JP" altLang="en-US" dirty="0"/>
           </a:p>
         </p:txBody>
@@ -5957,10 +5941,6 @@
           <a:lstStyle/>
           <a:p>
             <a:pPr algn="ctr"/>
-            <a:r>
-              <a:rPr kumimoji="1" lang="ja-JP" altLang="en-US" dirty="0" smtClean="0"/>
-              <a:t>感想</a:t>
-            </a:r>
             <a:endParaRPr kumimoji="1" lang="ja-JP" altLang="en-US" dirty="0"/>
           </a:p>
         </p:txBody>
@@ -6055,11 +6035,7 @@
           <a:lstStyle/>
           <a:p>
             <a:pPr algn="ctr"/>
-            <a:r>
-              <a:rPr kumimoji="1" lang="ja-JP" altLang="en-US" dirty="0" smtClean="0"/>
-              <a:t>感想</a:t>
-            </a:r>
-            <a:endParaRPr kumimoji="1" lang="ja-JP" altLang="en-US" dirty="0"/>
+            <a:endParaRPr kumimoji="1" lang="ja-JP" altLang="en-US" sz="1900" dirty="0"/>
           </a:p>
         </p:txBody>
       </p:sp>
@@ -6110,8 +6086,8 @@
           <a:p>
             <a:pPr algn="ctr"/>
             <a:r>
-              <a:rPr lang="ja-JP" altLang="en-US" dirty="0"/>
-              <a:t>写真</a:t>
+              <a:rPr lang="ja-JP" altLang="en-US" dirty="0" smtClean="0"/>
+              <a:t>それぞれが作業している写真</a:t>
             </a:r>
             <a:endParaRPr kumimoji="1" lang="ja-JP" altLang="en-US" dirty="0"/>
           </a:p>
@@ -6153,11 +6129,7 @@
           <a:lstStyle/>
           <a:p>
             <a:pPr algn="ctr"/>
-            <a:r>
-              <a:rPr kumimoji="1" lang="ja-JP" altLang="en-US" dirty="0" smtClean="0"/>
-              <a:t>感想</a:t>
-            </a:r>
-            <a:endParaRPr kumimoji="1" lang="ja-JP" altLang="en-US" dirty="0"/>
+            <a:endParaRPr kumimoji="1" lang="en-US" altLang="ja-JP" sz="1900" dirty="0" smtClean="0"/>
           </a:p>
         </p:txBody>
       </p:sp>
@@ -6208,10 +6180,347 @@
           <a:p>
             <a:pPr algn="ctr"/>
             <a:r>
-              <a:rPr lang="ja-JP" altLang="en-US" dirty="0"/>
-              <a:t>写真</a:t>
+              <a:rPr lang="ja-JP" altLang="en-US" dirty="0" smtClean="0"/>
+              <a:t>チームで相談している写真</a:t>
             </a:r>
             <a:endParaRPr kumimoji="1" lang="ja-JP" altLang="en-US" dirty="0"/>
+          </a:p>
+        </p:txBody>
+      </p:sp>
+      <p:sp>
+        <p:nvSpPr>
+          <p:cNvPr id="2" name="テキスト ボックス 1"/>
+          <p:cNvSpPr txBox="1"/>
+          <p:nvPr/>
+        </p:nvSpPr>
+        <p:spPr>
+          <a:xfrm>
+            <a:off x="2834008" y="841590"/>
+            <a:ext cx="3879943" cy="1554272"/>
+          </a:xfrm>
+          <a:prstGeom prst="rect">
+            <a:avLst/>
+          </a:prstGeom>
+          <a:noFill/>
+        </p:spPr>
+        <p:txBody>
+          <a:bodyPr wrap="square" rtlCol="0">
+            <a:spAutoFit/>
+          </a:bodyPr>
+          <a:lstStyle/>
+          <a:p>
+            <a:r>
+              <a:rPr lang="en-US" altLang="ja-JP" sz="1900" b="1" dirty="0"/>
+              <a:t>10</a:t>
+            </a:r>
+            <a:r>
+              <a:rPr lang="ja-JP" altLang="en-US" sz="1900" b="1" dirty="0"/>
+              <a:t>月はチームが始動</a:t>
+            </a:r>
+            <a:r>
+              <a:rPr lang="ja-JP" altLang="en-US" sz="1900" b="1" dirty="0" smtClean="0"/>
+              <a:t>し、これから</a:t>
+            </a:r>
+            <a:r>
+              <a:rPr lang="ja-JP" altLang="en-US" sz="1900" b="1" dirty="0"/>
+              <a:t>どういったゲームを作っていくの</a:t>
+            </a:r>
+            <a:r>
+              <a:rPr lang="ja-JP" altLang="en-US" sz="1900" b="1" dirty="0" smtClean="0"/>
+              <a:t>か 他</a:t>
+            </a:r>
+            <a:r>
+              <a:rPr lang="ja-JP" altLang="en-US" sz="1900" b="1" dirty="0"/>
+              <a:t>のチームは</a:t>
+            </a:r>
+            <a:r>
+              <a:rPr lang="ja-JP" altLang="en-US" sz="1900" b="1" dirty="0" smtClean="0"/>
+              <a:t>企画が通ってい</a:t>
+            </a:r>
+            <a:r>
+              <a:rPr lang="ja-JP" altLang="en-US" sz="1900" b="1" dirty="0" smtClean="0"/>
+              <a:t>る中で</a:t>
+            </a:r>
+            <a:r>
+              <a:rPr lang="ja-JP" altLang="en-US" sz="1900" b="1" dirty="0" smtClean="0"/>
+              <a:t>企画が通らず、出遅れた</a:t>
+            </a:r>
+            <a:r>
+              <a:rPr lang="ja-JP" altLang="en-US" sz="1900" b="1" dirty="0"/>
+              <a:t>焦りがチーム全体にあった</a:t>
+            </a:r>
+            <a:endParaRPr lang="en-US" altLang="ja-JP" sz="1900" b="1" dirty="0"/>
+          </a:p>
+        </p:txBody>
+      </p:sp>
+      <p:sp>
+        <p:nvSpPr>
+          <p:cNvPr id="5" name="テキスト ボックス 4"/>
+          <p:cNvSpPr txBox="1"/>
+          <p:nvPr/>
+        </p:nvSpPr>
+        <p:spPr>
+          <a:xfrm>
+            <a:off x="2880984" y="3185394"/>
+            <a:ext cx="3995806" cy="1554272"/>
+          </a:xfrm>
+          <a:prstGeom prst="rect">
+            <a:avLst/>
+          </a:prstGeom>
+          <a:noFill/>
+        </p:spPr>
+        <p:txBody>
+          <a:bodyPr wrap="square" rtlCol="0">
+            <a:spAutoFit/>
+          </a:bodyPr>
+          <a:lstStyle/>
+          <a:p>
+            <a:r>
+              <a:rPr lang="en-US" altLang="ja-JP" sz="1900" b="1" dirty="0"/>
+              <a:t>11</a:t>
+            </a:r>
+            <a:r>
+              <a:rPr lang="ja-JP" altLang="en-US" sz="1900" b="1" dirty="0"/>
+              <a:t>月はそれぞれが苦戦しながら</a:t>
+            </a:r>
+            <a:endParaRPr lang="en-US" altLang="ja-JP" sz="1900" b="1" dirty="0"/>
+          </a:p>
+          <a:p>
+            <a:r>
+              <a:rPr lang="ja-JP" altLang="en-US" sz="1900" b="1" dirty="0"/>
+              <a:t>も制作が軌道に乗った月だった。</a:t>
+            </a:r>
+            <a:endParaRPr lang="en-US" altLang="ja-JP" sz="1900" b="1" dirty="0"/>
+          </a:p>
+          <a:p>
+            <a:r>
+              <a:rPr lang="ja-JP" altLang="en-US" sz="1900" b="1" dirty="0"/>
+              <a:t>特にゲームで</a:t>
+            </a:r>
+            <a:r>
+              <a:rPr lang="ja-JP" altLang="en-US" sz="1900" b="1" dirty="0" smtClean="0"/>
+              <a:t>最難関な処理とも言える</a:t>
+            </a:r>
+            <a:r>
+              <a:rPr lang="en-US" altLang="ja-JP" sz="1900" b="1" dirty="0" smtClean="0"/>
+              <a:t>AI</a:t>
+            </a:r>
+            <a:r>
+              <a:rPr lang="ja-JP" altLang="en-US" sz="1900" b="1" dirty="0"/>
+              <a:t>部分</a:t>
+            </a:r>
+            <a:r>
+              <a:rPr lang="ja-JP" altLang="en-US" sz="1900" b="1" dirty="0" smtClean="0"/>
+              <a:t>や</a:t>
+            </a:r>
+            <a:r>
+              <a:rPr lang="en-US" altLang="ja-JP" sz="1900" b="1" dirty="0" err="1" smtClean="0"/>
+              <a:t>Shader</a:t>
+            </a:r>
+            <a:r>
+              <a:rPr lang="ja-JP" altLang="en-US" sz="1900" b="1" dirty="0" smtClean="0"/>
+              <a:t>部分が完成し</a:t>
+            </a:r>
+            <a:r>
+              <a:rPr lang="ja-JP" altLang="en-US" sz="1900" b="1" dirty="0"/>
+              <a:t>、</a:t>
+            </a:r>
+            <a:r>
+              <a:rPr lang="ja-JP" altLang="en-US" sz="1900" b="1" dirty="0" smtClean="0"/>
+              <a:t>チーム全体が</a:t>
+            </a:r>
+            <a:r>
+              <a:rPr lang="ja-JP" altLang="en-US" sz="1900" b="1" dirty="0"/>
+              <a:t>活気に</a:t>
+            </a:r>
+            <a:r>
+              <a:rPr lang="ja-JP" altLang="en-US" sz="1900" b="1" dirty="0" smtClean="0"/>
+              <a:t>溢れていた</a:t>
+            </a:r>
+            <a:r>
+              <a:rPr lang="en-US" altLang="ja-JP" sz="1900" b="1" dirty="0" smtClean="0"/>
+              <a:t>!</a:t>
+            </a:r>
+            <a:endParaRPr kumimoji="1" lang="ja-JP" altLang="en-US" dirty="0"/>
+          </a:p>
+        </p:txBody>
+      </p:sp>
+      <p:sp>
+        <p:nvSpPr>
+          <p:cNvPr id="6" name="テキスト ボックス 5"/>
+          <p:cNvSpPr txBox="1"/>
+          <p:nvPr/>
+        </p:nvSpPr>
+        <p:spPr>
+          <a:xfrm>
+            <a:off x="2834008" y="8019788"/>
+            <a:ext cx="4023991" cy="2939266"/>
+          </a:xfrm>
+          <a:prstGeom prst="rect">
+            <a:avLst/>
+          </a:prstGeom>
+          <a:noFill/>
+        </p:spPr>
+        <p:txBody>
+          <a:bodyPr wrap="square" rtlCol="0">
+            <a:spAutoFit/>
+          </a:bodyPr>
+          <a:lstStyle/>
+          <a:p>
+            <a:r>
+              <a:rPr kumimoji="1" lang="en-US" altLang="ja-JP" sz="1900" b="1" dirty="0" smtClean="0"/>
+              <a:t>1</a:t>
+            </a:r>
+            <a:r>
+              <a:rPr kumimoji="1" lang="ja-JP" altLang="en-US" sz="1900" b="1" dirty="0" smtClean="0"/>
+              <a:t>月</a:t>
+            </a:r>
+            <a:r>
+              <a:rPr kumimoji="1" lang="ja-JP" altLang="en-US" sz="1900" b="1" dirty="0" smtClean="0"/>
+              <a:t>は</a:t>
+            </a:r>
+            <a:r>
+              <a:rPr lang="ja-JP" altLang="en-US" sz="1900" b="1" dirty="0"/>
+              <a:t>卒業制作プレゼンテーションに</a:t>
+            </a:r>
+            <a:r>
+              <a:rPr lang="ja-JP" altLang="en-US" sz="1900" b="1" dirty="0" smtClean="0"/>
+              <a:t>向けて</a:t>
+            </a:r>
+            <a:r>
+              <a:rPr kumimoji="1" lang="ja-JP" altLang="en-US" sz="1900" b="1" dirty="0" smtClean="0"/>
+              <a:t>デバックでバグの修正、ブースの制作</a:t>
+            </a:r>
+            <a:r>
+              <a:rPr lang="ja-JP" altLang="en-US" sz="1900" b="1" dirty="0" smtClean="0"/>
+              <a:t>準備を中心に行い</a:t>
+            </a:r>
+            <a:endParaRPr lang="en-US" altLang="ja-JP" sz="1900" b="1" smtClean="0"/>
+          </a:p>
+          <a:p>
+            <a:r>
+              <a:rPr lang="ja-JP" altLang="en-US" sz="1900" b="1" smtClean="0"/>
+              <a:t>無事</a:t>
+            </a:r>
+            <a:r>
+              <a:rPr lang="ja-JP" altLang="en-US" sz="1900" b="1" dirty="0" smtClean="0"/>
+              <a:t>に発表を終えることでき、</a:t>
+            </a:r>
+            <a:endParaRPr lang="en-US" altLang="ja-JP" sz="1900" b="1" dirty="0" smtClean="0"/>
+          </a:p>
+          <a:p>
+            <a:r>
+              <a:rPr lang="ja-JP" altLang="en-US" sz="1900" b="1" dirty="0" smtClean="0"/>
+              <a:t>本当に良かった！</a:t>
+            </a:r>
+            <a:endParaRPr kumimoji="1" lang="en-US" altLang="ja-JP" sz="1900" b="1" dirty="0" smtClean="0"/>
+          </a:p>
+          <a:p>
+            <a:endParaRPr lang="en-US" altLang="ja-JP" dirty="0"/>
+          </a:p>
+          <a:p>
+            <a:endParaRPr kumimoji="1" lang="en-US" altLang="ja-JP" dirty="0" smtClean="0"/>
+          </a:p>
+          <a:p>
+            <a:endParaRPr lang="en-US" altLang="ja-JP" dirty="0"/>
+          </a:p>
+          <a:p>
+            <a:endParaRPr kumimoji="1" lang="en-US" altLang="ja-JP" dirty="0" smtClean="0"/>
+          </a:p>
+          <a:p>
+            <a:endParaRPr kumimoji="1" lang="en-US" altLang="ja-JP" dirty="0" smtClean="0"/>
+          </a:p>
+        </p:txBody>
+      </p:sp>
+      <p:sp>
+        <p:nvSpPr>
+          <p:cNvPr id="8" name="テキスト ボックス 7"/>
+          <p:cNvSpPr txBox="1"/>
+          <p:nvPr/>
+        </p:nvSpPr>
+        <p:spPr>
+          <a:xfrm>
+            <a:off x="2834008" y="5646496"/>
+            <a:ext cx="3917521" cy="1554272"/>
+          </a:xfrm>
+          <a:prstGeom prst="rect">
+            <a:avLst/>
+          </a:prstGeom>
+          <a:noFill/>
+        </p:spPr>
+        <p:txBody>
+          <a:bodyPr wrap="square" rtlCol="0">
+            <a:spAutoFit/>
+          </a:bodyPr>
+          <a:lstStyle/>
+          <a:p>
+            <a:r>
+              <a:rPr kumimoji="1" lang="en-US" altLang="ja-JP" sz="1900" b="1" dirty="0" smtClean="0"/>
+              <a:t>12</a:t>
+            </a:r>
+            <a:r>
+              <a:rPr kumimoji="1" lang="ja-JP" altLang="en-US" sz="1900" b="1" dirty="0" smtClean="0"/>
+              <a:t>月</a:t>
+            </a:r>
+            <a:r>
+              <a:rPr lang="ja-JP" altLang="en-US" sz="1900" b="1" dirty="0"/>
+              <a:t>は</a:t>
+            </a:r>
+            <a:r>
+              <a:rPr lang="ja-JP" altLang="en-US" sz="1900" b="1" dirty="0" smtClean="0"/>
+              <a:t>冬休み期間までに</a:t>
+            </a:r>
+            <a:r>
+              <a:rPr kumimoji="1" lang="en-US" altLang="ja-JP" sz="1900" b="1" dirty="0" smtClean="0"/>
+              <a:t>β</a:t>
+            </a:r>
+            <a:r>
+              <a:rPr kumimoji="1" lang="ja-JP" altLang="en-US" sz="1900" b="1" dirty="0" smtClean="0"/>
+              <a:t>版の</a:t>
+            </a:r>
+            <a:endParaRPr kumimoji="1" lang="en-US" altLang="ja-JP" sz="1900" b="1" dirty="0" smtClean="0"/>
+          </a:p>
+          <a:p>
+            <a:r>
+              <a:rPr kumimoji="1" lang="ja-JP" altLang="en-US" sz="1900" b="1" dirty="0" smtClean="0"/>
+              <a:t>完成を目指す追い込みの月だった。</a:t>
+            </a:r>
+            <a:r>
+              <a:rPr lang="en-US" altLang="ja-JP" sz="1900" b="1" dirty="0" smtClean="0"/>
+              <a:t>Wii</a:t>
+            </a:r>
+            <a:r>
+              <a:rPr lang="ja-JP" altLang="en-US" sz="1900" b="1" dirty="0" smtClean="0"/>
+              <a:t>リモコンの操作や</a:t>
+            </a:r>
+            <a:r>
+              <a:rPr lang="en-US" altLang="ja-JP" sz="1900" b="1" dirty="0" smtClean="0"/>
+              <a:t>UI</a:t>
+            </a:r>
+            <a:r>
+              <a:rPr lang="ja-JP" altLang="en-US" sz="1900" b="1" dirty="0" smtClean="0"/>
+              <a:t>部分を中心に試行錯誤しながら制作を進め、</a:t>
+            </a:r>
+            <a:endParaRPr lang="en-US" altLang="ja-JP" sz="1900" b="1" dirty="0" smtClean="0"/>
+          </a:p>
+          <a:p>
+            <a:r>
+              <a:rPr kumimoji="1" lang="ja-JP" altLang="en-US" sz="1900" b="1" dirty="0" smtClean="0"/>
+              <a:t>なんとか</a:t>
+            </a:r>
+            <a:r>
+              <a:rPr kumimoji="1" lang="en-US" altLang="ja-JP" sz="1900" b="1" dirty="0" smtClean="0"/>
+              <a:t>β</a:t>
+            </a:r>
+            <a:r>
+              <a:rPr kumimoji="1" lang="ja-JP" altLang="en-US" sz="1900" b="1" dirty="0" smtClean="0"/>
+              <a:t>版が完成した</a:t>
+            </a:r>
+            <a:r>
+              <a:rPr lang="ja-JP" altLang="en-US" sz="1900" b="1" dirty="0" smtClean="0"/>
+              <a:t>！</a:t>
+            </a:r>
+            <a:endParaRPr kumimoji="1" lang="en-US" altLang="ja-JP" dirty="0" smtClean="0"/>
           </a:p>
         </p:txBody>
       </p:sp>

--- a/資料類/ポートフォリオ卒業制作.pptx
+++ b/資料類/ポートフォリオ卒業制作.pptx
@@ -256,7 +256,7 @@
           <a:p>
             <a:fld id="{FEE965CE-DD04-401D-AB61-523C7ABF622F}" type="datetimeFigureOut">
               <a:rPr kumimoji="1" lang="ja-JP" altLang="en-US" smtClean="0"/>
-              <a:t>2020/1/30</a:t>
+              <a:t>2020/2/4</a:t>
             </a:fld>
             <a:endParaRPr kumimoji="1" lang="ja-JP" altLang="en-US"/>
           </a:p>
@@ -458,7 +458,7 @@
           <a:p>
             <a:fld id="{FEE965CE-DD04-401D-AB61-523C7ABF622F}" type="datetimeFigureOut">
               <a:rPr kumimoji="1" lang="ja-JP" altLang="en-US" smtClean="0"/>
-              <a:t>2020/1/30</a:t>
+              <a:t>2020/2/4</a:t>
             </a:fld>
             <a:endParaRPr kumimoji="1" lang="ja-JP" altLang="en-US"/>
           </a:p>
@@ -670,7 +670,7 @@
           <a:p>
             <a:fld id="{FEE965CE-DD04-401D-AB61-523C7ABF622F}" type="datetimeFigureOut">
               <a:rPr kumimoji="1" lang="ja-JP" altLang="en-US" smtClean="0"/>
-              <a:t>2020/1/30</a:t>
+              <a:t>2020/2/4</a:t>
             </a:fld>
             <a:endParaRPr kumimoji="1" lang="ja-JP" altLang="en-US"/>
           </a:p>
@@ -872,7 +872,7 @@
           <a:p>
             <a:fld id="{FEE965CE-DD04-401D-AB61-523C7ABF622F}" type="datetimeFigureOut">
               <a:rPr kumimoji="1" lang="ja-JP" altLang="en-US" smtClean="0"/>
-              <a:t>2020/1/30</a:t>
+              <a:t>2020/2/4</a:t>
             </a:fld>
             <a:endParaRPr kumimoji="1" lang="ja-JP" altLang="en-US"/>
           </a:p>
@@ -1116,7 +1116,7 @@
           <a:p>
             <a:fld id="{FEE965CE-DD04-401D-AB61-523C7ABF622F}" type="datetimeFigureOut">
               <a:rPr kumimoji="1" lang="ja-JP" altLang="en-US" smtClean="0"/>
-              <a:t>2020/1/30</a:t>
+              <a:t>2020/2/4</a:t>
             </a:fld>
             <a:endParaRPr kumimoji="1" lang="ja-JP" altLang="en-US"/>
           </a:p>
@@ -1412,7 +1412,7 @@
           <a:p>
             <a:fld id="{FEE965CE-DD04-401D-AB61-523C7ABF622F}" type="datetimeFigureOut">
               <a:rPr kumimoji="1" lang="ja-JP" altLang="en-US" smtClean="0"/>
-              <a:t>2020/1/30</a:t>
+              <a:t>2020/2/4</a:t>
             </a:fld>
             <a:endParaRPr kumimoji="1" lang="ja-JP" altLang="en-US"/>
           </a:p>
@@ -1843,7 +1843,7 @@
           <a:p>
             <a:fld id="{FEE965CE-DD04-401D-AB61-523C7ABF622F}" type="datetimeFigureOut">
               <a:rPr kumimoji="1" lang="ja-JP" altLang="en-US" smtClean="0"/>
-              <a:t>2020/1/30</a:t>
+              <a:t>2020/2/4</a:t>
             </a:fld>
             <a:endParaRPr kumimoji="1" lang="ja-JP" altLang="en-US"/>
           </a:p>
@@ -1961,7 +1961,7 @@
           <a:p>
             <a:fld id="{FEE965CE-DD04-401D-AB61-523C7ABF622F}" type="datetimeFigureOut">
               <a:rPr kumimoji="1" lang="ja-JP" altLang="en-US" smtClean="0"/>
-              <a:t>2020/1/30</a:t>
+              <a:t>2020/2/4</a:t>
             </a:fld>
             <a:endParaRPr kumimoji="1" lang="ja-JP" altLang="en-US"/>
           </a:p>
@@ -2056,7 +2056,7 @@
           <a:p>
             <a:fld id="{FEE965CE-DD04-401D-AB61-523C7ABF622F}" type="datetimeFigureOut">
               <a:rPr kumimoji="1" lang="ja-JP" altLang="en-US" smtClean="0"/>
-              <a:t>2020/1/30</a:t>
+              <a:t>2020/2/4</a:t>
             </a:fld>
             <a:endParaRPr kumimoji="1" lang="ja-JP" altLang="en-US"/>
           </a:p>
@@ -2365,7 +2365,7 @@
           <a:p>
             <a:fld id="{FEE965CE-DD04-401D-AB61-523C7ABF622F}" type="datetimeFigureOut">
               <a:rPr kumimoji="1" lang="ja-JP" altLang="en-US" smtClean="0"/>
-              <a:t>2020/1/30</a:t>
+              <a:t>2020/2/4</a:t>
             </a:fld>
             <a:endParaRPr kumimoji="1" lang="ja-JP" altLang="en-US"/>
           </a:p>
@@ -2622,7 +2622,7 @@
           <a:p>
             <a:fld id="{FEE965CE-DD04-401D-AB61-523C7ABF622F}" type="datetimeFigureOut">
               <a:rPr kumimoji="1" lang="ja-JP" altLang="en-US" smtClean="0"/>
-              <a:t>2020/1/30</a:t>
+              <a:t>2020/2/4</a:t>
             </a:fld>
             <a:endParaRPr kumimoji="1" lang="ja-JP" altLang="en-US"/>
           </a:p>
@@ -2867,7 +2867,7 @@
           <a:p>
             <a:fld id="{FEE965CE-DD04-401D-AB61-523C7ABF622F}" type="datetimeFigureOut">
               <a:rPr kumimoji="1" lang="ja-JP" altLang="en-US" smtClean="0"/>
-              <a:t>2020/1/30</a:t>
+              <a:t>2020/2/4</a:t>
             </a:fld>
             <a:endParaRPr kumimoji="1" lang="ja-JP" altLang="en-US"/>
           </a:p>
@@ -6215,39 +6215,26 @@
             </a:r>
             <a:r>
               <a:rPr lang="ja-JP" altLang="en-US" sz="1900" b="1" dirty="0"/>
-              <a:t>月はチームが始動</a:t>
+              <a:t>月はこれからどういったゲームを作っていくのか企画を考えた</a:t>
             </a:r>
             <a:r>
               <a:rPr lang="ja-JP" altLang="en-US" sz="1900" b="1" dirty="0" smtClean="0"/>
-              <a:t>し、これから</a:t>
+              <a:t>。</a:t>
+            </a:r>
+            <a:endParaRPr lang="en-US" altLang="ja-JP" sz="1900" b="1" dirty="0" smtClean="0"/>
+          </a:p>
+          <a:p>
+            <a:r>
+              <a:rPr lang="ja-JP" altLang="en-US" sz="1900" b="1" dirty="0" smtClean="0"/>
+              <a:t>他のチームが順調に進んでる中、</a:t>
             </a:r>
             <a:r>
               <a:rPr lang="ja-JP" altLang="en-US" sz="1900" b="1" dirty="0"/>
-              <a:t>どういったゲームを作っていくの</a:t>
+              <a:t>なかなか企画が</a:t>
             </a:r>
             <a:r>
               <a:rPr lang="ja-JP" altLang="en-US" sz="1900" b="1" dirty="0" smtClean="0"/>
-              <a:t>か 他</a:t>
-            </a:r>
-            <a:r>
-              <a:rPr lang="ja-JP" altLang="en-US" sz="1900" b="1" dirty="0"/>
-              <a:t>のチームは</a:t>
-            </a:r>
-            <a:r>
-              <a:rPr lang="ja-JP" altLang="en-US" sz="1900" b="1" dirty="0" smtClean="0"/>
-              <a:t>企画が通ってい</a:t>
-            </a:r>
-            <a:r>
-              <a:rPr lang="ja-JP" altLang="en-US" sz="1900" b="1" dirty="0" smtClean="0"/>
-              <a:t>る中で</a:t>
-            </a:r>
-            <a:r>
-              <a:rPr lang="ja-JP" altLang="en-US" sz="1900" b="1" dirty="0" smtClean="0"/>
-              <a:t>企画が通らず、出遅れた</a:t>
-            </a:r>
-            <a:r>
-              <a:rPr lang="ja-JP" altLang="en-US" sz="1900" b="1" dirty="0"/>
-              <a:t>焦りがチーム全体にあった</a:t>
+              <a:t>通らず、出遅れてしまいチーム全体に焦りがあった。</a:t>
             </a:r>
             <a:endParaRPr lang="en-US" altLang="ja-JP" sz="1900" b="1" dirty="0"/>
           </a:p>
@@ -6373,11 +6360,7 @@
             </a:r>
             <a:r>
               <a:rPr kumimoji="1" lang="ja-JP" altLang="en-US" sz="1900" b="1" dirty="0" smtClean="0"/>
-              <a:t>月</a:t>
-            </a:r>
-            <a:r>
-              <a:rPr kumimoji="1" lang="ja-JP" altLang="en-US" sz="1900" b="1" dirty="0" smtClean="0"/>
-              <a:t>は</a:t>
+              <a:t>月は</a:t>
             </a:r>
             <a:r>
               <a:rPr lang="ja-JP" altLang="en-US" sz="1900" b="1" dirty="0"/>
